--- a/火車訂票系統.pptx
+++ b/火車訂票系統.pptx
@@ -12,8 +12,8 @@
     <p:sldId id="260" r:id="rId6"/>
     <p:sldId id="265" r:id="rId7"/>
     <p:sldId id="266" r:id="rId8"/>
-    <p:sldId id="262" r:id="rId9"/>
-    <p:sldId id="267" r:id="rId10"/>
+    <p:sldId id="267" r:id="rId9"/>
+    <p:sldId id="262" r:id="rId10"/>
     <p:sldId id="264" r:id="rId11"/>
   </p:sldIdLst>
   <p:sldSz cx="12192000" cy="6858000"/>
@@ -574,7 +574,7 @@
           <a:p>
             <a:fld id="{F7AFFB9B-9FB8-469E-96F9-4D32314110B6}" type="datetimeFigureOut">
               <a:rPr lang="en-US" dirty="0"/>
-              <a:t>6/7/2018</a:t>
+              <a:t>6/29/2018</a:t>
             </a:fld>
             <a:endParaRPr lang="en-US" dirty="0"/>
           </a:p>
@@ -902,7 +902,7 @@
           <a:p>
             <a:fld id="{341D2AC3-6A0B-4169-B1EA-E3AE8B351BDD}" type="datetimeFigureOut">
               <a:rPr lang="en-US" dirty="0"/>
-              <a:t>6/7/2018</a:t>
+              <a:t>6/29/2018</a:t>
             </a:fld>
             <a:endParaRPr lang="en-US" dirty="0"/>
           </a:p>
@@ -1093,7 +1093,7 @@
           <a:p>
             <a:fld id="{DD4B9363-8B87-41B7-9F8E-64519CBB8F34}" type="datetimeFigureOut">
               <a:rPr lang="en-US" dirty="0"/>
-              <a:t>6/7/2018</a:t>
+              <a:t>6/29/2018</a:t>
             </a:fld>
             <a:endParaRPr lang="en-US" dirty="0"/>
           </a:p>
@@ -1358,7 +1358,7 @@
           <a:p>
             <a:fld id="{EAEF5746-5284-4951-9F37-7AE924EDBCB7}" type="datetimeFigureOut">
               <a:rPr lang="en-US" dirty="0"/>
-              <a:t>6/7/2018</a:t>
+              <a:t>6/29/2018</a:t>
             </a:fld>
             <a:endParaRPr lang="en-US" dirty="0"/>
           </a:p>
@@ -1781,7 +1781,7 @@
           <a:p>
             <a:fld id="{02398B29-7265-4A65-A2A4-6703C057B7C1}" type="datetimeFigureOut">
               <a:rPr lang="en-US" dirty="0"/>
-              <a:t>6/7/2018</a:t>
+              <a:t>6/29/2018</a:t>
             </a:fld>
             <a:endParaRPr lang="en-US" dirty="0"/>
           </a:p>
@@ -2326,7 +2326,7 @@
           <a:p>
             <a:fld id="{28FBA082-94DF-4C4B-A041-6624924AB0A8}" type="datetimeFigureOut">
               <a:rPr lang="en-US" dirty="0"/>
-              <a:t>6/7/2018</a:t>
+              <a:t>6/29/2018</a:t>
             </a:fld>
             <a:endParaRPr lang="en-US" dirty="0"/>
           </a:p>
@@ -3111,7 +3111,7 @@
           <a:p>
             <a:fld id="{B27686C4-3AB5-4E0C-86CA-FB108C350AA9}" type="datetimeFigureOut">
               <a:rPr lang="en-US" dirty="0"/>
-              <a:t>6/7/2018</a:t>
+              <a:t>6/29/2018</a:t>
             </a:fld>
             <a:endParaRPr lang="en-US" dirty="0"/>
           </a:p>
@@ -3285,7 +3285,7 @@
           <a:p>
             <a:fld id="{49FF1211-4E0C-4AB3-B04F-585959BDAFE8}" type="datetimeFigureOut">
               <a:rPr lang="en-US" dirty="0"/>
-              <a:t>6/7/2018</a:t>
+              <a:t>6/29/2018</a:t>
             </a:fld>
             <a:endParaRPr lang="en-US" dirty="0"/>
           </a:p>
@@ -3464,7 +3464,7 @@
           <a:p>
             <a:fld id="{28BDECAF-D3BE-4069-9C78-642ECCD01477}" type="datetimeFigureOut">
               <a:rPr lang="en-US" dirty="0"/>
-              <a:t>6/7/2018</a:t>
+              <a:t>6/29/2018</a:t>
             </a:fld>
             <a:endParaRPr lang="en-US" dirty="0"/>
           </a:p>
@@ -3634,7 +3634,7 @@
           <a:p>
             <a:fld id="{8EFBDC27-E420-4878-9EE6-7B9656D6442A}" type="datetimeFigureOut">
               <a:rPr lang="en-US" dirty="0"/>
-              <a:t>6/7/2018</a:t>
+              <a:t>6/29/2018</a:t>
             </a:fld>
             <a:endParaRPr lang="en-US" dirty="0"/>
           </a:p>
@@ -3879,7 +3879,7 @@
           <a:p>
             <a:fld id="{0F7F47CF-67C9-420C-80A5-E2069FF0C2DF}" type="datetimeFigureOut">
               <a:rPr lang="en-US" dirty="0"/>
-              <a:t>6/7/2018</a:t>
+              <a:t>6/29/2018</a:t>
             </a:fld>
             <a:endParaRPr lang="en-US" dirty="0"/>
           </a:p>
@@ -4111,7 +4111,7 @@
           <a:p>
             <a:fld id="{AE22DC73-F065-42F5-A9F2-D90B2E42A0B3}" type="datetimeFigureOut">
               <a:rPr lang="en-US" dirty="0"/>
-              <a:t>6/7/2018</a:t>
+              <a:t>6/29/2018</a:t>
             </a:fld>
             <a:endParaRPr lang="en-US" dirty="0"/>
           </a:p>
@@ -4491,7 +4491,7 @@
           <a:p>
             <a:fld id="{76BEA702-9B29-41CC-9BCC-3DF8A0D379FE}" type="datetimeFigureOut">
               <a:rPr lang="en-US" dirty="0"/>
-              <a:t>6/7/2018</a:t>
+              <a:t>6/29/2018</a:t>
             </a:fld>
             <a:endParaRPr lang="en-US" dirty="0"/>
           </a:p>
@@ -4604,7 +4604,7 @@
           <a:p>
             <a:fld id="{097649AC-CB8F-4FF1-9A34-5861C74DD0A7}" type="datetimeFigureOut">
               <a:rPr lang="en-US" dirty="0"/>
-              <a:t>6/7/2018</a:t>
+              <a:t>6/29/2018</a:t>
             </a:fld>
             <a:endParaRPr lang="en-US" dirty="0"/>
           </a:p>
@@ -4694,7 +4694,7 @@
           <a:p>
             <a:fld id="{3EC5CECA-2D3A-4680-9B49-752200DE467C}" type="datetimeFigureOut">
               <a:rPr lang="en-US" dirty="0"/>
-              <a:t>6/7/2018</a:t>
+              <a:t>6/29/2018</a:t>
             </a:fld>
             <a:endParaRPr lang="en-US" dirty="0"/>
           </a:p>
@@ -4942,7 +4942,7 @@
           <a:p>
             <a:fld id="{50C3BFE2-83B7-4B0A-B9D3-AB28331082B3}" type="datetimeFigureOut">
               <a:rPr lang="en-US" dirty="0"/>
-              <a:t>6/7/2018</a:t>
+              <a:t>6/29/2018</a:t>
             </a:fld>
             <a:endParaRPr lang="en-US" dirty="0"/>
           </a:p>
@@ -5206,7 +5206,7 @@
           <a:p>
             <a:fld id="{12EF78E3-FDA3-4D28-AAA2-0B81F349A39D}" type="datetimeFigureOut">
               <a:rPr lang="en-US" dirty="0"/>
-              <a:t>6/7/2018</a:t>
+              <a:t>6/29/2018</a:t>
             </a:fld>
             <a:endParaRPr lang="en-US" dirty="0"/>
           </a:p>
@@ -5604,7 +5604,7 @@
           <a:p>
             <a:fld id="{C35BB1C6-BF8F-4481-8AB2-603A1C8A906A}" type="datetimeFigureOut">
               <a:rPr lang="en-US" dirty="0"/>
-              <a:t>6/7/2018</a:t>
+              <a:t>6/29/2018</a:t>
             </a:fld>
             <a:endParaRPr lang="en-US" dirty="0"/>
           </a:p>
@@ -6628,7 +6628,7 @@
       </p:sp>
       <p:pic>
         <p:nvPicPr>
-          <p:cNvPr id="4" name="內容版面配置區 3"/>
+          <p:cNvPr id="5" name="內容版面配置區 4"/>
           <p:cNvPicPr>
             <a:picLocks noGrp="1" noChangeAspect="1"/>
           </p:cNvPicPr>
@@ -6650,8 +6650,8 @@
         </p:blipFill>
         <p:spPr>
           <a:xfrm>
-            <a:off x="3847670" y="1661746"/>
-            <a:ext cx="7679821" cy="3871963"/>
+            <a:off x="1846845" y="2063750"/>
+            <a:ext cx="7691674" cy="3484196"/>
           </a:xfrm>
         </p:spPr>
       </p:pic>
@@ -6713,7 +6713,7 @@
       </p:sp>
       <p:pic>
         <p:nvPicPr>
-          <p:cNvPr id="4" name="內容版面配置區 3"/>
+          <p:cNvPr id="6" name="內容版面配置區 5"/>
           <p:cNvPicPr>
             <a:picLocks noGrp="1" noChangeAspect="1"/>
           </p:cNvPicPr>
@@ -6735,14 +6735,14 @@
         </p:blipFill>
         <p:spPr>
           <a:xfrm>
-            <a:off x="5138804" y="203928"/>
-            <a:ext cx="6372944" cy="5880349"/>
+            <a:off x="774370" y="2376366"/>
+            <a:ext cx="4122426" cy="1867388"/>
           </a:xfrm>
         </p:spPr>
       </p:pic>
       <p:pic>
         <p:nvPicPr>
-          <p:cNvPr id="5" name="圖片 4"/>
+          <p:cNvPr id="8" name="圖片 7"/>
           <p:cNvPicPr>
             <a:picLocks noChangeAspect="1"/>
           </p:cNvPicPr>
@@ -6762,8 +6762,8 @@
         </p:blipFill>
         <p:spPr>
           <a:xfrm>
-            <a:off x="291952" y="1968079"/>
-            <a:ext cx="4665151" cy="2352046"/>
+            <a:off x="5795010" y="189620"/>
+            <a:ext cx="4869180" cy="6103620"/>
           </a:xfrm>
           <a:prstGeom prst="rect">
             <a:avLst/>
@@ -6824,7 +6824,7 @@
           <a:p>
             <a:r>
               <a:rPr lang="zh-TW" altLang="en-US" dirty="0" smtClean="0"/>
-              <a:t>循序圖</a:t>
+              <a:t>類別圖</a:t>
             </a:r>
             <a:endParaRPr lang="zh-TW" altLang="en-US" dirty="0"/>
           </a:p>
@@ -6832,7 +6832,7 @@
       </p:sp>
       <p:pic>
         <p:nvPicPr>
-          <p:cNvPr id="4" name="內容版面配置區 3"/>
+          <p:cNvPr id="7" name="內容版面配置區 6"/>
           <p:cNvPicPr>
             <a:picLocks noGrp="1" noChangeAspect="1"/>
           </p:cNvPicPr>
@@ -6854,15 +6854,15 @@
         </p:blipFill>
         <p:spPr>
           <a:xfrm>
-            <a:off x="4510454" y="1186832"/>
-            <a:ext cx="5695105" cy="4364290"/>
+            <a:off x="4464974" y="114300"/>
+            <a:ext cx="5382410" cy="6168850"/>
           </a:xfrm>
         </p:spPr>
       </p:pic>
     </p:spTree>
     <p:extLst>
       <p:ext uri="{BB962C8B-B14F-4D97-AF65-F5344CB8AC3E}">
-        <p14:creationId xmlns:p14="http://schemas.microsoft.com/office/powerpoint/2010/main" val="1136442597"/>
+        <p14:creationId xmlns:p14="http://schemas.microsoft.com/office/powerpoint/2010/main" val="2869384776"/>
       </p:ext>
     </p:extLst>
   </p:cSld>
@@ -6906,7 +6906,7 @@
           <a:p>
             <a:r>
               <a:rPr lang="zh-TW" altLang="en-US" dirty="0" smtClean="0"/>
-              <a:t>類別圖</a:t>
+              <a:t>循序圖</a:t>
             </a:r>
             <a:endParaRPr lang="zh-TW" altLang="en-US" dirty="0"/>
           </a:p>
@@ -6936,15 +6936,15 @@
         </p:blipFill>
         <p:spPr>
           <a:xfrm>
-            <a:off x="3501441" y="685800"/>
-            <a:ext cx="6745863" cy="4689475"/>
+            <a:off x="4510454" y="1186832"/>
+            <a:ext cx="5695105" cy="4364290"/>
           </a:xfrm>
         </p:spPr>
       </p:pic>
     </p:spTree>
     <p:extLst>
       <p:ext uri="{BB962C8B-B14F-4D97-AF65-F5344CB8AC3E}">
-        <p14:creationId xmlns:p14="http://schemas.microsoft.com/office/powerpoint/2010/main" val="2869384776"/>
+        <p14:creationId xmlns:p14="http://schemas.microsoft.com/office/powerpoint/2010/main" val="1136442597"/>
       </p:ext>
     </p:extLst>
   </p:cSld>
